--- a/GloBox_A-B_Test_Presentation.pptx
+++ b/GloBox_A-B_Test_Presentation.pptx
@@ -8,8 +8,13 @@
     <p:sldId id="256" r:id="rId2"/>
     <p:sldId id="257" r:id="rId3"/>
     <p:sldId id="258" r:id="rId4"/>
-    <p:sldId id="259" r:id="rId5"/>
-    <p:sldId id="260" r:id="rId6"/>
+    <p:sldId id="263" r:id="rId5"/>
+    <p:sldId id="261" r:id="rId6"/>
+    <p:sldId id="259" r:id="rId7"/>
+    <p:sldId id="264" r:id="rId8"/>
+    <p:sldId id="262" r:id="rId9"/>
+    <p:sldId id="265" r:id="rId10"/>
+    <p:sldId id="260" r:id="rId11"/>
   </p:sldIdLst>
   <p:sldSz cx="12192000" cy="6858000"/>
   <p:notesSz cx="6858000" cy="9144000"/>
@@ -3692,6 +3697,96 @@
 </p:sld>
 </file>
 
+<file path=ppt/slides/slide10.xml><?xml version="1.0" encoding="utf-8"?>
+<p:sld xmlns:a="http://schemas.openxmlformats.org/drawingml/2006/main" xmlns:r="http://schemas.openxmlformats.org/officeDocument/2006/relationships" xmlns:p="http://schemas.openxmlformats.org/presentationml/2006/main">
+  <p:cSld>
+    <p:spTree>
+      <p:nvGrpSpPr>
+        <p:cNvPr id="1" name=""/>
+        <p:cNvGrpSpPr/>
+        <p:nvPr/>
+      </p:nvGrpSpPr>
+      <p:grpSpPr>
+        <a:xfrm>
+          <a:off x="0" y="0"/>
+          <a:ext cx="0" cy="0"/>
+          <a:chOff x="0" y="0"/>
+          <a:chExt cx="0" cy="0"/>
+        </a:xfrm>
+      </p:grpSpPr>
+      <p:sp>
+        <p:nvSpPr>
+          <p:cNvPr id="2" name="Title 1">
+            <a:extLst>
+              <a:ext uri="{FF2B5EF4-FFF2-40B4-BE49-F238E27FC236}">
+                <a16:creationId xmlns:a16="http://schemas.microsoft.com/office/drawing/2014/main" id="{B3E1EC58-00A7-D39B-FAC4-61214C99D27E}"/>
+              </a:ext>
+            </a:extLst>
+          </p:cNvPr>
+          <p:cNvSpPr>
+            <a:spLocks noGrp="1"/>
+          </p:cNvSpPr>
+          <p:nvPr>
+            <p:ph type="title"/>
+          </p:nvPr>
+        </p:nvSpPr>
+        <p:spPr/>
+        <p:txBody>
+          <a:bodyPr/>
+          <a:lstStyle/>
+          <a:p>
+            <a:pPr algn="ctr"/>
+            <a:r>
+              <a:rPr lang="en-US" cap="none" dirty="0">
+                <a:latin typeface="Times New Roman" panose="02020603050405020304" pitchFamily="18" charset="0"/>
+                <a:cs typeface="Times New Roman" panose="02020603050405020304" pitchFamily="18" charset="0"/>
+              </a:rPr>
+              <a:t>Suggestions for Further Analysis and Improving Accuracy </a:t>
+            </a:r>
+          </a:p>
+        </p:txBody>
+      </p:sp>
+      <p:sp>
+        <p:nvSpPr>
+          <p:cNvPr id="3" name="Content Placeholder 2">
+            <a:extLst>
+              <a:ext uri="{FF2B5EF4-FFF2-40B4-BE49-F238E27FC236}">
+                <a16:creationId xmlns:a16="http://schemas.microsoft.com/office/drawing/2014/main" id="{5369F113-79DC-9430-88B7-442B2805F78F}"/>
+              </a:ext>
+            </a:extLst>
+          </p:cNvPr>
+          <p:cNvSpPr>
+            <a:spLocks noGrp="1"/>
+          </p:cNvSpPr>
+          <p:nvPr>
+            <p:ph idx="1"/>
+          </p:nvPr>
+        </p:nvSpPr>
+        <p:spPr/>
+        <p:txBody>
+          <a:bodyPr/>
+          <a:lstStyle/>
+          <a:p>
+            <a:endParaRPr lang="en-US" dirty="0">
+              <a:latin typeface="Times New Roman" panose="02020603050405020304" pitchFamily="18" charset="0"/>
+              <a:cs typeface="Times New Roman" panose="02020603050405020304" pitchFamily="18" charset="0"/>
+            </a:endParaRPr>
+          </a:p>
+        </p:txBody>
+      </p:sp>
+    </p:spTree>
+    <p:extLst>
+      <p:ext uri="{BB962C8B-B14F-4D97-AF65-F5344CB8AC3E}">
+        <p14:creationId xmlns:p14="http://schemas.microsoft.com/office/powerpoint/2010/main" val="2961830265"/>
+      </p:ext>
+    </p:extLst>
+  </p:cSld>
+  <p:clrMapOvr>
+    <a:masterClrMapping/>
+  </p:clrMapOvr>
+</p:sld>
+</file>
+
 <file path=ppt/slides/slide2.xml><?xml version="1.0" encoding="utf-8"?>
 <p:sld xmlns:a="http://schemas.openxmlformats.org/drawingml/2006/main" xmlns:r="http://schemas.openxmlformats.org/officeDocument/2006/relationships" xmlns:p="http://schemas.openxmlformats.org/presentationml/2006/main">
   <p:cSld>
@@ -3972,7 +4067,7 @@
           <p:cNvPr id="2" name="Title 1">
             <a:extLst>
               <a:ext uri="{FF2B5EF4-FFF2-40B4-BE49-F238E27FC236}">
-                <a16:creationId xmlns:a16="http://schemas.microsoft.com/office/drawing/2014/main" id="{B3E1EC58-00A7-D39B-FAC4-61214C99D27E}"/>
+                <a16:creationId xmlns:a16="http://schemas.microsoft.com/office/drawing/2014/main" id="{A6F8626F-B2C6-650C-15C4-5DB6B8E77DA0}"/>
               </a:ext>
             </a:extLst>
           </p:cNvPr>
@@ -3980,47 +4075,25 @@
             <a:spLocks noGrp="1"/>
           </p:cNvSpPr>
           <p:nvPr>
-            <p:ph type="title"/>
+            <p:ph type="ctrTitle"/>
           </p:nvPr>
         </p:nvSpPr>
         <p:spPr/>
         <p:txBody>
-          <a:bodyPr/>
+          <a:bodyPr>
+            <a:normAutofit/>
+          </a:bodyPr>
           <a:lstStyle/>
           <a:p>
             <a:pPr algn="ctr"/>
             <a:r>
-              <a:rPr lang="en-US" cap="none" dirty="0">
+              <a:rPr lang="en-US" sz="6000" cap="none" dirty="0">
                 <a:latin typeface="Times New Roman" panose="02020603050405020304" pitchFamily="18" charset="0"/>
                 <a:cs typeface="Times New Roman" panose="02020603050405020304" pitchFamily="18" charset="0"/>
               </a:rPr>
-              <a:t>Analysis Results</a:t>
-            </a:r>
-          </a:p>
-        </p:txBody>
-      </p:sp>
-      <p:sp>
-        <p:nvSpPr>
-          <p:cNvPr id="3" name="Content Placeholder 2">
-            <a:extLst>
-              <a:ext uri="{FF2B5EF4-FFF2-40B4-BE49-F238E27FC236}">
-                <a16:creationId xmlns:a16="http://schemas.microsoft.com/office/drawing/2014/main" id="{5369F113-79DC-9430-88B7-442B2805F78F}"/>
-              </a:ext>
-            </a:extLst>
-          </p:cNvPr>
-          <p:cNvSpPr>
-            <a:spLocks noGrp="1"/>
-          </p:cNvSpPr>
-          <p:nvPr>
-            <p:ph idx="1"/>
-          </p:nvPr>
-        </p:nvSpPr>
-        <p:spPr/>
-        <p:txBody>
-          <a:bodyPr/>
-          <a:lstStyle/>
-          <a:p>
-            <a:endParaRPr lang="en-US" dirty="0">
+              <a:t>Average Spent Analysis</a:t>
+            </a:r>
+            <a:endParaRPr lang="en-US" sz="6000" dirty="0">
               <a:latin typeface="Times New Roman" panose="02020603050405020304" pitchFamily="18" charset="0"/>
               <a:cs typeface="Times New Roman" panose="02020603050405020304" pitchFamily="18" charset="0"/>
             </a:endParaRPr>
@@ -4030,7 +4103,7 @@
     </p:spTree>
     <p:extLst>
       <p:ext uri="{BB962C8B-B14F-4D97-AF65-F5344CB8AC3E}">
-        <p14:creationId xmlns:p14="http://schemas.microsoft.com/office/powerpoint/2010/main" val="1706059383"/>
+        <p14:creationId xmlns:p14="http://schemas.microsoft.com/office/powerpoint/2010/main" val="2658244172"/>
       </p:ext>
     </p:extLst>
   </p:cSld>
@@ -4057,6 +4130,72 @@
           <a:chExt cx="0" cy="0"/>
         </a:xfrm>
       </p:grpSpPr>
+      <p:pic>
+        <p:nvPicPr>
+          <p:cNvPr id="2" name="slide2" descr="Avg. Spent Dashboard">
+            <a:extLst>
+              <a:ext uri="{FF2B5EF4-FFF2-40B4-BE49-F238E27FC236}">
+                <a16:creationId xmlns:a16="http://schemas.microsoft.com/office/drawing/2014/main" id="{C18AC864-EE81-EAD7-57A3-A3BBA9BE39C8}"/>
+              </a:ext>
+            </a:extLst>
+          </p:cNvPr>
+          <p:cNvPicPr>
+            <a:picLocks noChangeAspect="1"/>
+          </p:cNvPicPr>
+          <p:nvPr/>
+        </p:nvPicPr>
+        <p:blipFill>
+          <a:blip r:embed="rId2">
+            <a:extLst>
+              <a:ext uri="{28A0092B-C50C-407E-A947-70E740481C1C}">
+                <a14:useLocalDpi xmlns:a14="http://schemas.microsoft.com/office/drawing/2010/main" val="0"/>
+              </a:ext>
+            </a:extLst>
+          </a:blip>
+          <a:stretch>
+            <a:fillRect/>
+          </a:stretch>
+        </p:blipFill>
+        <p:spPr>
+          <a:xfrm>
+            <a:off x="1932214" y="273504"/>
+            <a:ext cx="8327571" cy="5539468"/>
+          </a:xfrm>
+          <a:prstGeom prst="rect">
+            <a:avLst/>
+          </a:prstGeom>
+        </p:spPr>
+      </p:pic>
+    </p:spTree>
+    <p:extLst>
+      <p:ext uri="{BB962C8B-B14F-4D97-AF65-F5344CB8AC3E}">
+        <p14:creationId xmlns:p14="http://schemas.microsoft.com/office/powerpoint/2010/main" val="852928251"/>
+      </p:ext>
+    </p:extLst>
+  </p:cSld>
+  <p:clrMapOvr>
+    <a:masterClrMapping/>
+  </p:clrMapOvr>
+</p:sld>
+</file>
+
+<file path=ppt/slides/slide6.xml><?xml version="1.0" encoding="utf-8"?>
+<p:sld xmlns:a="http://schemas.openxmlformats.org/drawingml/2006/main" xmlns:r="http://schemas.openxmlformats.org/officeDocument/2006/relationships" xmlns:p="http://schemas.openxmlformats.org/presentationml/2006/main">
+  <p:cSld>
+    <p:spTree>
+      <p:nvGrpSpPr>
+        <p:cNvPr id="1" name=""/>
+        <p:cNvGrpSpPr/>
+        <p:nvPr/>
+      </p:nvGrpSpPr>
+      <p:grpSpPr>
+        <a:xfrm>
+          <a:off x="0" y="0"/>
+          <a:ext cx="0" cy="0"/>
+          <a:chOff x="0" y="0"/>
+          <a:chExt cx="0" cy="0"/>
+        </a:xfrm>
+      </p:grpSpPr>
       <p:sp>
         <p:nvSpPr>
           <p:cNvPr id="2" name="Title 1">
@@ -4084,7 +4223,7 @@
                 <a:latin typeface="Times New Roman" panose="02020603050405020304" pitchFamily="18" charset="0"/>
                 <a:cs typeface="Times New Roman" panose="02020603050405020304" pitchFamily="18" charset="0"/>
               </a:rPr>
-              <a:t>Suggestions for Further Analysis and Improving Accuracy </a:t>
+              <a:t>Analysis Results</a:t>
             </a:r>
           </a:p>
         </p:txBody>
@@ -4120,7 +4259,231 @@
     </p:spTree>
     <p:extLst>
       <p:ext uri="{BB962C8B-B14F-4D97-AF65-F5344CB8AC3E}">
-        <p14:creationId xmlns:p14="http://schemas.microsoft.com/office/powerpoint/2010/main" val="2961830265"/>
+        <p14:creationId xmlns:p14="http://schemas.microsoft.com/office/powerpoint/2010/main" val="1706059383"/>
+      </p:ext>
+    </p:extLst>
+  </p:cSld>
+  <p:clrMapOvr>
+    <a:masterClrMapping/>
+  </p:clrMapOvr>
+</p:sld>
+</file>
+
+<file path=ppt/slides/slide7.xml><?xml version="1.0" encoding="utf-8"?>
+<p:sld xmlns:a="http://schemas.openxmlformats.org/drawingml/2006/main" xmlns:r="http://schemas.openxmlformats.org/officeDocument/2006/relationships" xmlns:p="http://schemas.openxmlformats.org/presentationml/2006/main">
+  <p:cSld>
+    <p:spTree>
+      <p:nvGrpSpPr>
+        <p:cNvPr id="1" name=""/>
+        <p:cNvGrpSpPr/>
+        <p:nvPr/>
+      </p:nvGrpSpPr>
+      <p:grpSpPr>
+        <a:xfrm>
+          <a:off x="0" y="0"/>
+          <a:ext cx="0" cy="0"/>
+          <a:chOff x="0" y="0"/>
+          <a:chExt cx="0" cy="0"/>
+        </a:xfrm>
+      </p:grpSpPr>
+      <p:sp>
+        <p:nvSpPr>
+          <p:cNvPr id="2" name="Title 1">
+            <a:extLst>
+              <a:ext uri="{FF2B5EF4-FFF2-40B4-BE49-F238E27FC236}">
+                <a16:creationId xmlns:a16="http://schemas.microsoft.com/office/drawing/2014/main" id="{A6F8626F-B2C6-650C-15C4-5DB6B8E77DA0}"/>
+              </a:ext>
+            </a:extLst>
+          </p:cNvPr>
+          <p:cNvSpPr>
+            <a:spLocks noGrp="1"/>
+          </p:cNvSpPr>
+          <p:nvPr>
+            <p:ph type="ctrTitle"/>
+          </p:nvPr>
+        </p:nvSpPr>
+        <p:spPr/>
+        <p:txBody>
+          <a:bodyPr>
+            <a:normAutofit/>
+          </a:bodyPr>
+          <a:lstStyle/>
+          <a:p>
+            <a:pPr algn="ctr"/>
+            <a:r>
+              <a:rPr lang="en-US" sz="6000" cap="none" dirty="0">
+                <a:latin typeface="Times New Roman" panose="02020603050405020304" pitchFamily="18" charset="0"/>
+                <a:cs typeface="Times New Roman" panose="02020603050405020304" pitchFamily="18" charset="0"/>
+              </a:rPr>
+              <a:t>Conversion Rate Analysis</a:t>
+            </a:r>
+            <a:endParaRPr lang="en-US" sz="6000" dirty="0">
+              <a:latin typeface="Times New Roman" panose="02020603050405020304" pitchFamily="18" charset="0"/>
+              <a:cs typeface="Times New Roman" panose="02020603050405020304" pitchFamily="18" charset="0"/>
+            </a:endParaRPr>
+          </a:p>
+        </p:txBody>
+      </p:sp>
+    </p:spTree>
+    <p:extLst>
+      <p:ext uri="{BB962C8B-B14F-4D97-AF65-F5344CB8AC3E}">
+        <p14:creationId xmlns:p14="http://schemas.microsoft.com/office/powerpoint/2010/main" val="279029494"/>
+      </p:ext>
+    </p:extLst>
+  </p:cSld>
+  <p:clrMapOvr>
+    <a:masterClrMapping/>
+  </p:clrMapOvr>
+</p:sld>
+</file>
+
+<file path=ppt/slides/slide8.xml><?xml version="1.0" encoding="utf-8"?>
+<p:sld xmlns:a="http://schemas.openxmlformats.org/drawingml/2006/main" xmlns:r="http://schemas.openxmlformats.org/officeDocument/2006/relationships" xmlns:p="http://schemas.openxmlformats.org/presentationml/2006/main">
+  <p:cSld>
+    <p:spTree>
+      <p:nvGrpSpPr>
+        <p:cNvPr id="1" name=""/>
+        <p:cNvGrpSpPr/>
+        <p:nvPr/>
+      </p:nvGrpSpPr>
+      <p:grpSpPr>
+        <a:xfrm>
+          <a:off x="0" y="0"/>
+          <a:ext cx="0" cy="0"/>
+          <a:chOff x="0" y="0"/>
+          <a:chExt cx="0" cy="0"/>
+        </a:xfrm>
+      </p:grpSpPr>
+      <p:pic>
+        <p:nvPicPr>
+          <p:cNvPr id="3" name="slide3" descr="Conv. Rate Dashboard">
+            <a:extLst>
+              <a:ext uri="{FF2B5EF4-FFF2-40B4-BE49-F238E27FC236}">
+                <a16:creationId xmlns:a16="http://schemas.microsoft.com/office/drawing/2014/main" id="{638A349C-FBAD-812E-FFF3-04AC68E98A60}"/>
+              </a:ext>
+            </a:extLst>
+          </p:cNvPr>
+          <p:cNvPicPr>
+            <a:picLocks noChangeAspect="1"/>
+          </p:cNvPicPr>
+          <p:nvPr/>
+        </p:nvPicPr>
+        <p:blipFill>
+          <a:blip r:embed="rId2">
+            <a:extLst>
+              <a:ext uri="{28A0092B-C50C-407E-A947-70E740481C1C}">
+                <a14:useLocalDpi xmlns:a14="http://schemas.microsoft.com/office/drawing/2010/main" val="0"/>
+              </a:ext>
+            </a:extLst>
+          </a:blip>
+          <a:stretch>
+            <a:fillRect/>
+          </a:stretch>
+        </p:blipFill>
+        <p:spPr>
+          <a:xfrm>
+            <a:off x="1932214" y="277586"/>
+            <a:ext cx="8327571" cy="5535385"/>
+          </a:xfrm>
+          <a:prstGeom prst="rect">
+            <a:avLst/>
+          </a:prstGeom>
+        </p:spPr>
+      </p:pic>
+    </p:spTree>
+    <p:extLst>
+      <p:ext uri="{BB962C8B-B14F-4D97-AF65-F5344CB8AC3E}">
+        <p14:creationId xmlns:p14="http://schemas.microsoft.com/office/powerpoint/2010/main" val="3705176332"/>
+      </p:ext>
+    </p:extLst>
+  </p:cSld>
+  <p:clrMapOvr>
+    <a:masterClrMapping/>
+  </p:clrMapOvr>
+</p:sld>
+</file>
+
+<file path=ppt/slides/slide9.xml><?xml version="1.0" encoding="utf-8"?>
+<p:sld xmlns:a="http://schemas.openxmlformats.org/drawingml/2006/main" xmlns:r="http://schemas.openxmlformats.org/officeDocument/2006/relationships" xmlns:p="http://schemas.openxmlformats.org/presentationml/2006/main">
+  <p:cSld>
+    <p:spTree>
+      <p:nvGrpSpPr>
+        <p:cNvPr id="1" name=""/>
+        <p:cNvGrpSpPr/>
+        <p:nvPr/>
+      </p:nvGrpSpPr>
+      <p:grpSpPr>
+        <a:xfrm>
+          <a:off x="0" y="0"/>
+          <a:ext cx="0" cy="0"/>
+          <a:chOff x="0" y="0"/>
+          <a:chExt cx="0" cy="0"/>
+        </a:xfrm>
+      </p:grpSpPr>
+      <p:sp>
+        <p:nvSpPr>
+          <p:cNvPr id="2" name="Title 1">
+            <a:extLst>
+              <a:ext uri="{FF2B5EF4-FFF2-40B4-BE49-F238E27FC236}">
+                <a16:creationId xmlns:a16="http://schemas.microsoft.com/office/drawing/2014/main" id="{B3E1EC58-00A7-D39B-FAC4-61214C99D27E}"/>
+              </a:ext>
+            </a:extLst>
+          </p:cNvPr>
+          <p:cNvSpPr>
+            <a:spLocks noGrp="1"/>
+          </p:cNvSpPr>
+          <p:nvPr>
+            <p:ph type="title"/>
+          </p:nvPr>
+        </p:nvSpPr>
+        <p:spPr/>
+        <p:txBody>
+          <a:bodyPr/>
+          <a:lstStyle/>
+          <a:p>
+            <a:pPr algn="ctr"/>
+            <a:r>
+              <a:rPr lang="en-US" cap="none" dirty="0">
+                <a:latin typeface="Times New Roman" panose="02020603050405020304" pitchFamily="18" charset="0"/>
+                <a:cs typeface="Times New Roman" panose="02020603050405020304" pitchFamily="18" charset="0"/>
+              </a:rPr>
+              <a:t>Analysis Results</a:t>
+            </a:r>
+          </a:p>
+        </p:txBody>
+      </p:sp>
+      <p:sp>
+        <p:nvSpPr>
+          <p:cNvPr id="3" name="Content Placeholder 2">
+            <a:extLst>
+              <a:ext uri="{FF2B5EF4-FFF2-40B4-BE49-F238E27FC236}">
+                <a16:creationId xmlns:a16="http://schemas.microsoft.com/office/drawing/2014/main" id="{5369F113-79DC-9430-88B7-442B2805F78F}"/>
+              </a:ext>
+            </a:extLst>
+          </p:cNvPr>
+          <p:cNvSpPr>
+            <a:spLocks noGrp="1"/>
+          </p:cNvSpPr>
+          <p:nvPr>
+            <p:ph idx="1"/>
+          </p:nvPr>
+        </p:nvSpPr>
+        <p:spPr/>
+        <p:txBody>
+          <a:bodyPr/>
+          <a:lstStyle/>
+          <a:p>
+            <a:endParaRPr lang="en-US" dirty="0">
+              <a:latin typeface="Times New Roman" panose="02020603050405020304" pitchFamily="18" charset="0"/>
+              <a:cs typeface="Times New Roman" panose="02020603050405020304" pitchFamily="18" charset="0"/>
+            </a:endParaRPr>
+          </a:p>
+        </p:txBody>
+      </p:sp>
+    </p:spTree>
+    <p:extLst>
+      <p:ext uri="{BB962C8B-B14F-4D97-AF65-F5344CB8AC3E}">
+        <p14:creationId xmlns:p14="http://schemas.microsoft.com/office/powerpoint/2010/main" val="4031904981"/>
       </p:ext>
     </p:extLst>
   </p:cSld>

--- a/GloBox_A-B_Test_Presentation.pptx
+++ b/GloBox_A-B_Test_Presentation.pptx
@@ -14,7 +14,11 @@
     <p:sldId id="264" r:id="rId8"/>
     <p:sldId id="262" r:id="rId9"/>
     <p:sldId id="265" r:id="rId10"/>
-    <p:sldId id="260" r:id="rId11"/>
+    <p:sldId id="266" r:id="rId11"/>
+    <p:sldId id="260" r:id="rId12"/>
+    <p:sldId id="268" r:id="rId13"/>
+    <p:sldId id="269" r:id="rId14"/>
+    <p:sldId id="270" r:id="rId15"/>
   </p:sldIdLst>
   <p:sldSz cx="12192000" cy="6858000"/>
   <p:notesSz cx="6858000" cy="9144000"/>
@@ -260,7 +264,7 @@
           <a:p>
             <a:fld id="{63B381C6-0A7C-E944-AA3B-9B45964C89D8}" type="datetimeFigureOut">
               <a:rPr lang="en-US" smtClean="0"/>
-              <a:t>5/10/23</a:t>
+              <a:t>5/11/23</a:t>
             </a:fld>
             <a:endParaRPr lang="en-US"/>
           </a:p>
@@ -471,7 +475,7 @@
           <a:p>
             <a:fld id="{63B381C6-0A7C-E944-AA3B-9B45964C89D8}" type="datetimeFigureOut">
               <a:rPr lang="en-US" smtClean="0"/>
-              <a:t>5/10/23</a:t>
+              <a:t>5/11/23</a:t>
             </a:fld>
             <a:endParaRPr lang="en-US"/>
           </a:p>
@@ -686,7 +690,7 @@
           <a:p>
             <a:fld id="{63B381C6-0A7C-E944-AA3B-9B45964C89D8}" type="datetimeFigureOut">
               <a:rPr lang="en-US" smtClean="0"/>
-              <a:t>5/10/23</a:t>
+              <a:t>5/11/23</a:t>
             </a:fld>
             <a:endParaRPr lang="en-US"/>
           </a:p>
@@ -887,7 +891,7 @@
           <a:p>
             <a:fld id="{63B381C6-0A7C-E944-AA3B-9B45964C89D8}" type="datetimeFigureOut">
               <a:rPr lang="en-US" smtClean="0"/>
-              <a:t>5/10/23</a:t>
+              <a:t>5/11/23</a:t>
             </a:fld>
             <a:endParaRPr lang="en-US"/>
           </a:p>
@@ -1166,7 +1170,7 @@
           <a:p>
             <a:fld id="{63B381C6-0A7C-E944-AA3B-9B45964C89D8}" type="datetimeFigureOut">
               <a:rPr lang="en-US" smtClean="0"/>
-              <a:t>5/10/23</a:t>
+              <a:t>5/11/23</a:t>
             </a:fld>
             <a:endParaRPr lang="en-US"/>
           </a:p>
@@ -1434,7 +1438,7 @@
           <a:p>
             <a:fld id="{63B381C6-0A7C-E944-AA3B-9B45964C89D8}" type="datetimeFigureOut">
               <a:rPr lang="en-US" smtClean="0"/>
-              <a:t>5/10/23</a:t>
+              <a:t>5/11/23</a:t>
             </a:fld>
             <a:endParaRPr lang="en-US"/>
           </a:p>
@@ -1850,7 +1854,7 @@
           <a:p>
             <a:fld id="{63B381C6-0A7C-E944-AA3B-9B45964C89D8}" type="datetimeFigureOut">
               <a:rPr lang="en-US" smtClean="0"/>
-              <a:t>5/10/23</a:t>
+              <a:t>5/11/23</a:t>
             </a:fld>
             <a:endParaRPr lang="en-US"/>
           </a:p>
@@ -1999,7 +2003,7 @@
           <a:p>
             <a:fld id="{63B381C6-0A7C-E944-AA3B-9B45964C89D8}" type="datetimeFigureOut">
               <a:rPr lang="en-US" smtClean="0"/>
-              <a:t>5/10/23</a:t>
+              <a:t>5/11/23</a:t>
             </a:fld>
             <a:endParaRPr lang="en-US"/>
           </a:p>
@@ -2125,7 +2129,7 @@
           <a:p>
             <a:fld id="{63B381C6-0A7C-E944-AA3B-9B45964C89D8}" type="datetimeFigureOut">
               <a:rPr lang="en-US" smtClean="0"/>
-              <a:t>5/10/23</a:t>
+              <a:t>5/11/23</a:t>
             </a:fld>
             <a:endParaRPr lang="en-US"/>
           </a:p>
@@ -2376,7 +2380,7 @@
           <a:p>
             <a:fld id="{63B381C6-0A7C-E944-AA3B-9B45964C89D8}" type="datetimeFigureOut">
               <a:rPr lang="en-US" smtClean="0"/>
-              <a:t>5/10/23</a:t>
+              <a:t>5/11/23</a:t>
             </a:fld>
             <a:endParaRPr lang="en-US"/>
           </a:p>
@@ -2821,7 +2825,7 @@
           <a:p>
             <a:fld id="{63B381C6-0A7C-E944-AA3B-9B45964C89D8}" type="datetimeFigureOut">
               <a:rPr lang="en-US" smtClean="0"/>
-              <a:t>5/10/23</a:t>
+              <a:t>5/11/23</a:t>
             </a:fld>
             <a:endParaRPr lang="en-US"/>
           </a:p>
@@ -3148,7 +3152,7 @@
           <a:p>
             <a:fld id="{63B381C6-0A7C-E944-AA3B-9B45964C89D8}" type="datetimeFigureOut">
               <a:rPr lang="en-US" smtClean="0"/>
-              <a:t>5/10/23</a:t>
+              <a:t>5/11/23</a:t>
             </a:fld>
             <a:endParaRPr lang="en-US"/>
           </a:p>
@@ -3741,7 +3745,7 @@
                 <a:latin typeface="Times New Roman" panose="02020603050405020304" pitchFamily="18" charset="0"/>
                 <a:cs typeface="Times New Roman" panose="02020603050405020304" pitchFamily="18" charset="0"/>
               </a:rPr>
-              <a:t>Suggestions for Further Analysis and Improving Accuracy </a:t>
+              <a:t>A/B Test Result</a:t>
             </a:r>
           </a:p>
         </p:txBody>
@@ -3764,20 +3768,439 @@
         </p:nvSpPr>
         <p:spPr/>
         <p:txBody>
-          <a:bodyPr/>
-          <a:lstStyle/>
-          <a:p>
+          <a:bodyPr>
+            <a:normAutofit/>
+          </a:bodyPr>
+          <a:lstStyle/>
+          <a:p>
+            <a:r>
+              <a:rPr lang="en-US" dirty="0">
+                <a:latin typeface="Times New Roman" panose="02020603050405020304" pitchFamily="18" charset="0"/>
+                <a:cs typeface="Times New Roman" panose="02020603050405020304" pitchFamily="18" charset="0"/>
+              </a:rPr>
+              <a:t>Banner doesn’t affect avg. spent by user statistically.</a:t>
+            </a:r>
+          </a:p>
+          <a:p>
+            <a:r>
+              <a:rPr lang="en-US" dirty="0">
+                <a:latin typeface="Times New Roman" panose="02020603050405020304" pitchFamily="18" charset="0"/>
+                <a:cs typeface="Times New Roman" panose="02020603050405020304" pitchFamily="18" charset="0"/>
+              </a:rPr>
+              <a:t>Banner increases conversion rate statistically.</a:t>
+            </a:r>
+          </a:p>
+          <a:p>
+            <a:r>
+              <a:rPr lang="en-US" dirty="0">
+                <a:latin typeface="Times New Roman" panose="02020603050405020304" pitchFamily="18" charset="0"/>
+                <a:cs typeface="Times New Roman" panose="02020603050405020304" pitchFamily="18" charset="0"/>
+              </a:rPr>
+              <a:t>It can be concluded that applying banner on our webpage has positive impact for the business.</a:t>
+            </a:r>
+          </a:p>
+        </p:txBody>
+      </p:sp>
+    </p:spTree>
+    <p:extLst>
+      <p:ext uri="{BB962C8B-B14F-4D97-AF65-F5344CB8AC3E}">
+        <p14:creationId xmlns:p14="http://schemas.microsoft.com/office/powerpoint/2010/main" val="325993232"/>
+      </p:ext>
+    </p:extLst>
+  </p:cSld>
+  <p:clrMapOvr>
+    <a:masterClrMapping/>
+  </p:clrMapOvr>
+</p:sld>
+</file>
+
+<file path=ppt/slides/slide11.xml><?xml version="1.0" encoding="utf-8"?>
+<p:sld xmlns:a="http://schemas.openxmlformats.org/drawingml/2006/main" xmlns:r="http://schemas.openxmlformats.org/officeDocument/2006/relationships" xmlns:p="http://schemas.openxmlformats.org/presentationml/2006/main">
+  <p:cSld>
+    <p:spTree>
+      <p:nvGrpSpPr>
+        <p:cNvPr id="1" name=""/>
+        <p:cNvGrpSpPr/>
+        <p:nvPr/>
+      </p:nvGrpSpPr>
+      <p:grpSpPr>
+        <a:xfrm>
+          <a:off x="0" y="0"/>
+          <a:ext cx="0" cy="0"/>
+          <a:chOff x="0" y="0"/>
+          <a:chExt cx="0" cy="0"/>
+        </a:xfrm>
+      </p:grpSpPr>
+      <p:sp>
+        <p:nvSpPr>
+          <p:cNvPr id="2" name="Title 1">
+            <a:extLst>
+              <a:ext uri="{FF2B5EF4-FFF2-40B4-BE49-F238E27FC236}">
+                <a16:creationId xmlns:a16="http://schemas.microsoft.com/office/drawing/2014/main" id="{B3E1EC58-00A7-D39B-FAC4-61214C99D27E}"/>
+              </a:ext>
+            </a:extLst>
+          </p:cNvPr>
+          <p:cNvSpPr>
+            <a:spLocks noGrp="1"/>
+          </p:cNvSpPr>
+          <p:nvPr>
+            <p:ph type="title"/>
+          </p:nvPr>
+        </p:nvSpPr>
+        <p:spPr/>
+        <p:txBody>
+          <a:bodyPr/>
+          <a:lstStyle/>
+          <a:p>
+            <a:pPr algn="ctr"/>
+            <a:r>
+              <a:rPr lang="en-US" cap="none" dirty="0">
+                <a:latin typeface="Times New Roman" panose="02020603050405020304" pitchFamily="18" charset="0"/>
+                <a:cs typeface="Times New Roman" panose="02020603050405020304" pitchFamily="18" charset="0"/>
+              </a:rPr>
+              <a:t>Suggestions for Further Analysis and Improving Accuracy </a:t>
+            </a:r>
+          </a:p>
+        </p:txBody>
+      </p:sp>
+      <p:sp>
+        <p:nvSpPr>
+          <p:cNvPr id="3" name="Content Placeholder 2">
+            <a:extLst>
+              <a:ext uri="{FF2B5EF4-FFF2-40B4-BE49-F238E27FC236}">
+                <a16:creationId xmlns:a16="http://schemas.microsoft.com/office/drawing/2014/main" id="{5369F113-79DC-9430-88B7-442B2805F78F}"/>
+              </a:ext>
+            </a:extLst>
+          </p:cNvPr>
+          <p:cNvSpPr>
+            <a:spLocks noGrp="1"/>
+          </p:cNvSpPr>
+          <p:nvPr>
+            <p:ph idx="1"/>
+          </p:nvPr>
+        </p:nvSpPr>
+        <p:spPr/>
+        <p:txBody>
+          <a:bodyPr/>
+          <a:lstStyle/>
+          <a:p>
+            <a:r>
+              <a:rPr lang="en-US" dirty="0">
+                <a:latin typeface="Times New Roman" panose="02020603050405020304" pitchFamily="18" charset="0"/>
+                <a:cs typeface="Times New Roman" panose="02020603050405020304" pitchFamily="18" charset="0"/>
+              </a:rPr>
+              <a:t>Extending test period.</a:t>
+            </a:r>
+          </a:p>
+          <a:p>
+            <a:r>
+              <a:rPr lang="en-US" dirty="0">
+                <a:latin typeface="Times New Roman" panose="02020603050405020304" pitchFamily="18" charset="0"/>
+                <a:cs typeface="Times New Roman" panose="02020603050405020304" pitchFamily="18" charset="0"/>
+              </a:rPr>
+              <a:t>Extracting additional data such as age.</a:t>
+            </a:r>
+          </a:p>
+          <a:p>
+            <a:r>
+              <a:rPr lang="en-US" dirty="0">
+                <a:latin typeface="Times New Roman" panose="02020603050405020304" pitchFamily="18" charset="0"/>
+                <a:cs typeface="Times New Roman" panose="02020603050405020304" pitchFamily="18" charset="0"/>
+              </a:rPr>
+              <a:t>Analyzing results by country, gender and age group.</a:t>
+            </a:r>
+          </a:p>
+          <a:p>
+            <a:r>
+              <a:rPr lang="en-US" dirty="0">
+                <a:latin typeface="Times New Roman" panose="02020603050405020304" pitchFamily="18" charset="0"/>
+                <a:cs typeface="Times New Roman" panose="02020603050405020304" pitchFamily="18" charset="0"/>
+              </a:rPr>
+              <a:t>Running tests on alternative banner designs.</a:t>
+            </a:r>
+          </a:p>
+        </p:txBody>
+      </p:sp>
+    </p:spTree>
+    <p:extLst>
+      <p:ext uri="{BB962C8B-B14F-4D97-AF65-F5344CB8AC3E}">
+        <p14:creationId xmlns:p14="http://schemas.microsoft.com/office/powerpoint/2010/main" val="2961830265"/>
+      </p:ext>
+    </p:extLst>
+  </p:cSld>
+  <p:clrMapOvr>
+    <a:masterClrMapping/>
+  </p:clrMapOvr>
+</p:sld>
+</file>
+
+<file path=ppt/slides/slide12.xml><?xml version="1.0" encoding="utf-8"?>
+<p:sld xmlns:a="http://schemas.openxmlformats.org/drawingml/2006/main" xmlns:r="http://schemas.openxmlformats.org/officeDocument/2006/relationships" xmlns:p="http://schemas.openxmlformats.org/presentationml/2006/main">
+  <p:cSld>
+    <p:spTree>
+      <p:nvGrpSpPr>
+        <p:cNvPr id="1" name=""/>
+        <p:cNvGrpSpPr/>
+        <p:nvPr/>
+      </p:nvGrpSpPr>
+      <p:grpSpPr>
+        <a:xfrm>
+          <a:off x="0" y="0"/>
+          <a:ext cx="0" cy="0"/>
+          <a:chOff x="0" y="0"/>
+          <a:chExt cx="0" cy="0"/>
+        </a:xfrm>
+      </p:grpSpPr>
+      <p:sp>
+        <p:nvSpPr>
+          <p:cNvPr id="2" name="Title 1">
+            <a:extLst>
+              <a:ext uri="{FF2B5EF4-FFF2-40B4-BE49-F238E27FC236}">
+                <a16:creationId xmlns:a16="http://schemas.microsoft.com/office/drawing/2014/main" id="{A78A9566-AE21-D012-1518-0CE6FF607229}"/>
+              </a:ext>
+            </a:extLst>
+          </p:cNvPr>
+          <p:cNvSpPr>
+            <a:spLocks noGrp="1"/>
+          </p:cNvSpPr>
+          <p:nvPr>
+            <p:ph type="ctrTitle"/>
+          </p:nvPr>
+        </p:nvSpPr>
+        <p:spPr/>
+        <p:txBody>
+          <a:bodyPr/>
+          <a:lstStyle/>
+          <a:p>
+            <a:pPr algn="ctr"/>
+            <a:r>
+              <a:rPr lang="en-US" dirty="0">
+                <a:latin typeface="Times New Roman" panose="02020603050405020304" pitchFamily="18" charset="0"/>
+                <a:cs typeface="Times New Roman" panose="02020603050405020304" pitchFamily="18" charset="0"/>
+              </a:rPr>
+              <a:t>Q &amp; A</a:t>
+            </a:r>
+          </a:p>
+        </p:txBody>
+      </p:sp>
+    </p:spTree>
+    <p:extLst>
+      <p:ext uri="{BB962C8B-B14F-4D97-AF65-F5344CB8AC3E}">
+        <p14:creationId xmlns:p14="http://schemas.microsoft.com/office/powerpoint/2010/main" val="3661304273"/>
+      </p:ext>
+    </p:extLst>
+  </p:cSld>
+  <p:clrMapOvr>
+    <a:masterClrMapping/>
+  </p:clrMapOvr>
+</p:sld>
+</file>
+
+<file path=ppt/slides/slide13.xml><?xml version="1.0" encoding="utf-8"?>
+<p:sld xmlns:a="http://schemas.openxmlformats.org/drawingml/2006/main" xmlns:r="http://schemas.openxmlformats.org/officeDocument/2006/relationships" xmlns:p="http://schemas.openxmlformats.org/presentationml/2006/main">
+  <p:cSld>
+    <p:spTree>
+      <p:nvGrpSpPr>
+        <p:cNvPr id="1" name=""/>
+        <p:cNvGrpSpPr/>
+        <p:nvPr/>
+      </p:nvGrpSpPr>
+      <p:grpSpPr>
+        <a:xfrm>
+          <a:off x="0" y="0"/>
+          <a:ext cx="0" cy="0"/>
+          <a:chOff x="0" y="0"/>
+          <a:chExt cx="0" cy="0"/>
+        </a:xfrm>
+      </p:grpSpPr>
+      <p:sp>
+        <p:nvSpPr>
+          <p:cNvPr id="2" name="Title 1">
+            <a:extLst>
+              <a:ext uri="{FF2B5EF4-FFF2-40B4-BE49-F238E27FC236}">
+                <a16:creationId xmlns:a16="http://schemas.microsoft.com/office/drawing/2014/main" id="{A78A9566-AE21-D012-1518-0CE6FF607229}"/>
+              </a:ext>
+            </a:extLst>
+          </p:cNvPr>
+          <p:cNvSpPr>
+            <a:spLocks noGrp="1"/>
+          </p:cNvSpPr>
+          <p:nvPr>
+            <p:ph type="ctrTitle"/>
+          </p:nvPr>
+        </p:nvSpPr>
+        <p:spPr/>
+        <p:txBody>
+          <a:bodyPr/>
+          <a:lstStyle/>
+          <a:p>
+            <a:pPr algn="ctr"/>
+            <a:r>
+              <a:rPr lang="en-US" cap="none" dirty="0">
+                <a:latin typeface="Times New Roman" panose="02020603050405020304" pitchFamily="18" charset="0"/>
+                <a:cs typeface="Times New Roman" panose="02020603050405020304" pitchFamily="18" charset="0"/>
+              </a:rPr>
+              <a:t>Thanks for listening!</a:t>
+            </a:r>
+          </a:p>
+        </p:txBody>
+      </p:sp>
+    </p:spTree>
+    <p:extLst>
+      <p:ext uri="{BB962C8B-B14F-4D97-AF65-F5344CB8AC3E}">
+        <p14:creationId xmlns:p14="http://schemas.microsoft.com/office/powerpoint/2010/main" val="1255136197"/>
+      </p:ext>
+    </p:extLst>
+  </p:cSld>
+  <p:clrMapOvr>
+    <a:masterClrMapping/>
+  </p:clrMapOvr>
+</p:sld>
+</file>
+
+<file path=ppt/slides/slide14.xml><?xml version="1.0" encoding="utf-8"?>
+<p:sld xmlns:a="http://schemas.openxmlformats.org/drawingml/2006/main" xmlns:r="http://schemas.openxmlformats.org/officeDocument/2006/relationships" xmlns:p="http://schemas.openxmlformats.org/presentationml/2006/main">
+  <p:cSld>
+    <p:spTree>
+      <p:nvGrpSpPr>
+        <p:cNvPr id="1" name=""/>
+        <p:cNvGrpSpPr/>
+        <p:nvPr/>
+      </p:nvGrpSpPr>
+      <p:grpSpPr>
+        <a:xfrm>
+          <a:off x="0" y="0"/>
+          <a:ext cx="0" cy="0"/>
+          <a:chOff x="0" y="0"/>
+          <a:chExt cx="0" cy="0"/>
+        </a:xfrm>
+      </p:grpSpPr>
+      <p:sp>
+        <p:nvSpPr>
+          <p:cNvPr id="2" name="Title 1">
+            <a:extLst>
+              <a:ext uri="{FF2B5EF4-FFF2-40B4-BE49-F238E27FC236}">
+                <a16:creationId xmlns:a16="http://schemas.microsoft.com/office/drawing/2014/main" id="{B3E1EC58-00A7-D39B-FAC4-61214C99D27E}"/>
+              </a:ext>
+            </a:extLst>
+          </p:cNvPr>
+          <p:cNvSpPr>
+            <a:spLocks noGrp="1"/>
+          </p:cNvSpPr>
+          <p:nvPr>
+            <p:ph type="title"/>
+          </p:nvPr>
+        </p:nvSpPr>
+        <p:spPr/>
+        <p:txBody>
+          <a:bodyPr/>
+          <a:lstStyle/>
+          <a:p>
+            <a:pPr algn="ctr"/>
+            <a:r>
+              <a:rPr lang="en-US" cap="none" dirty="0">
+                <a:latin typeface="Times New Roman" panose="02020603050405020304" pitchFamily="18" charset="0"/>
+                <a:cs typeface="Times New Roman" panose="02020603050405020304" pitchFamily="18" charset="0"/>
+              </a:rPr>
+              <a:t>Related Links</a:t>
+            </a:r>
+          </a:p>
+        </p:txBody>
+      </p:sp>
+      <p:sp>
+        <p:nvSpPr>
+          <p:cNvPr id="3" name="Content Placeholder 2">
+            <a:extLst>
+              <a:ext uri="{FF2B5EF4-FFF2-40B4-BE49-F238E27FC236}">
+                <a16:creationId xmlns:a16="http://schemas.microsoft.com/office/drawing/2014/main" id="{5369F113-79DC-9430-88B7-442B2805F78F}"/>
+              </a:ext>
+            </a:extLst>
+          </p:cNvPr>
+          <p:cNvSpPr>
+            <a:spLocks noGrp="1"/>
+          </p:cNvSpPr>
+          <p:nvPr>
+            <p:ph idx="1"/>
+          </p:nvPr>
+        </p:nvSpPr>
+        <p:spPr/>
+        <p:txBody>
+          <a:bodyPr/>
+          <a:lstStyle/>
+          <a:p>
+            <a:r>
+              <a:rPr lang="en-US" dirty="0" err="1">
+                <a:latin typeface="Times New Roman" panose="02020603050405020304" pitchFamily="18" charset="0"/>
+                <a:cs typeface="Times New Roman" panose="02020603050405020304" pitchFamily="18" charset="0"/>
+              </a:rPr>
+              <a:t>Github</a:t>
+            </a:r>
+            <a:r>
+              <a:rPr lang="en-US" dirty="0">
+                <a:latin typeface="Times New Roman" panose="02020603050405020304" pitchFamily="18" charset="0"/>
+                <a:cs typeface="Times New Roman" panose="02020603050405020304" pitchFamily="18" charset="0"/>
+              </a:rPr>
+              <a:t>: </a:t>
+            </a:r>
+          </a:p>
+          <a:p>
+            <a:pPr marL="0" indent="0">
+              <a:buNone/>
+            </a:pPr>
+            <a:r>
+              <a:rPr lang="en-US" dirty="0">
+                <a:solidFill>
+                  <a:srgbClr val="BC658E"/>
+                </a:solidFill>
+                <a:latin typeface="Times New Roman" panose="02020603050405020304" pitchFamily="18" charset="0"/>
+                <a:cs typeface="Times New Roman" panose="02020603050405020304" pitchFamily="18" charset="0"/>
+                <a:hlinkClick r:id="rId2">
+                  <a:extLst>
+                    <a:ext uri="{A12FA001-AC4F-418D-AE19-62706E023703}">
+                      <ahyp:hlinkClr xmlns:ahyp="http://schemas.microsoft.com/office/drawing/2018/hyperlinkcolor" val="tx"/>
+                    </a:ext>
+                  </a:extLst>
+                </a:hlinkClick>
+              </a:rPr>
+              <a:t>https://github.com/BatuSengezer/GloBox_A-B_Data_Analysis</a:t>
+            </a:r>
             <a:endParaRPr lang="en-US" dirty="0">
               <a:latin typeface="Times New Roman" panose="02020603050405020304" pitchFamily="18" charset="0"/>
               <a:cs typeface="Times New Roman" panose="02020603050405020304" pitchFamily="18" charset="0"/>
             </a:endParaRPr>
           </a:p>
+          <a:p>
+            <a:r>
+              <a:rPr lang="en-US" dirty="0">
+                <a:latin typeface="Times New Roman" panose="02020603050405020304" pitchFamily="18" charset="0"/>
+                <a:cs typeface="Times New Roman" panose="02020603050405020304" pitchFamily="18" charset="0"/>
+              </a:rPr>
+              <a:t>Tableau:</a:t>
+            </a:r>
+          </a:p>
+          <a:p>
+            <a:pPr marL="0" indent="0">
+              <a:buNone/>
+            </a:pPr>
+            <a:r>
+              <a:rPr lang="en-US" dirty="0">
+                <a:latin typeface="Times New Roman" panose="02020603050405020304" pitchFamily="18" charset="0"/>
+                <a:cs typeface="Times New Roman" panose="02020603050405020304" pitchFamily="18" charset="0"/>
+                <a:hlinkClick r:id="rId3"/>
+              </a:rPr>
+              <a:t>https://public.tableau.com/views/GloBox_A_B_Data_Analysis/Story1?:language=en-US&amp;:display_count=n&amp;:origin=viz_share_link</a:t>
+            </a:r>
+            <a:endParaRPr lang="en-US" dirty="0">
+              <a:latin typeface="Times New Roman" panose="02020603050405020304" pitchFamily="18" charset="0"/>
+              <a:cs typeface="Times New Roman" panose="02020603050405020304" pitchFamily="18" charset="0"/>
+            </a:endParaRPr>
+          </a:p>
         </p:txBody>
       </p:sp>
     </p:spTree>
     <p:extLst>
       <p:ext uri="{BB962C8B-B14F-4D97-AF65-F5344CB8AC3E}">
-        <p14:creationId xmlns:p14="http://schemas.microsoft.com/office/powerpoint/2010/main" val="2961830265"/>
+        <p14:creationId xmlns:p14="http://schemas.microsoft.com/office/powerpoint/2010/main" val="2640834262"/>
       </p:ext>
     </p:extLst>
   </p:cSld>
@@ -4249,6 +4672,54 @@
           <a:bodyPr/>
           <a:lstStyle/>
           <a:p>
+            <a:r>
+              <a:rPr lang="en-US" dirty="0">
+                <a:latin typeface="Times New Roman" panose="02020603050405020304" pitchFamily="18" charset="0"/>
+                <a:cs typeface="Times New Roman" panose="02020603050405020304" pitchFamily="18" charset="0"/>
+              </a:rPr>
+              <a:t>Avg. spent per user is 3.375 USD for control group and 3.391 USD for treatment group.</a:t>
+            </a:r>
+          </a:p>
+          <a:p>
+            <a:r>
+              <a:rPr lang="en-US" dirty="0">
+                <a:latin typeface="Times New Roman" panose="02020603050405020304" pitchFamily="18" charset="0"/>
+                <a:cs typeface="Times New Roman" panose="02020603050405020304" pitchFamily="18" charset="0"/>
+              </a:rPr>
+              <a:t>95% CI for the avg. spent per user in the control is (3.049, 3.700) and in the treatment is (3.073, 3.708).</a:t>
+            </a:r>
+          </a:p>
+          <a:p>
+            <a:r>
+              <a:rPr lang="en-US" dirty="0">
+                <a:latin typeface="Times New Roman" panose="02020603050405020304" pitchFamily="18" charset="0"/>
+                <a:cs typeface="Times New Roman" panose="02020603050405020304" pitchFamily="18" charset="0"/>
+              </a:rPr>
+              <a:t>95% CI for the difference in the avg. spent per user is (-0.439, 0.471).</a:t>
+            </a:r>
+          </a:p>
+          <a:p>
+            <a:r>
+              <a:rPr lang="en-US" dirty="0">
+                <a:latin typeface="Times New Roman" panose="02020603050405020304" pitchFamily="18" charset="0"/>
+                <a:cs typeface="Times New Roman" panose="02020603050405020304" pitchFamily="18" charset="0"/>
+              </a:rPr>
+              <a:t>Hypothesis test of difference in the avg. spent between groups suggest that there is not enough evidence to suggest a statistically significant difference between groups.</a:t>
+            </a:r>
+          </a:p>
+          <a:p>
+            <a:endParaRPr lang="en-US" dirty="0">
+              <a:latin typeface="Times New Roman" panose="02020603050405020304" pitchFamily="18" charset="0"/>
+              <a:cs typeface="Times New Roman" panose="02020603050405020304" pitchFamily="18" charset="0"/>
+            </a:endParaRPr>
+          </a:p>
+          <a:p>
+            <a:endParaRPr lang="en-US" dirty="0">
+              <a:latin typeface="Times New Roman" panose="02020603050405020304" pitchFamily="18" charset="0"/>
+              <a:cs typeface="Times New Roman" panose="02020603050405020304" pitchFamily="18" charset="0"/>
+            </a:endParaRPr>
+          </a:p>
+          <a:p>
             <a:endParaRPr lang="en-US" dirty="0">
               <a:latin typeface="Times New Roman" panose="02020603050405020304" pitchFamily="18" charset="0"/>
               <a:cs typeface="Times New Roman" panose="02020603050405020304" pitchFamily="18" charset="0"/>
@@ -4470,8 +4941,52 @@
         </p:nvSpPr>
         <p:spPr/>
         <p:txBody>
-          <a:bodyPr/>
-          <a:lstStyle/>
+          <a:bodyPr>
+            <a:normAutofit/>
+          </a:bodyPr>
+          <a:lstStyle/>
+          <a:p>
+            <a:r>
+              <a:rPr lang="en-US" dirty="0">
+                <a:latin typeface="Times New Roman" panose="02020603050405020304" pitchFamily="18" charset="0"/>
+                <a:cs typeface="Times New Roman" panose="02020603050405020304" pitchFamily="18" charset="0"/>
+              </a:rPr>
+              <a:t>Conversion rate is %3.92 for control group and %4.63 for treatment group.</a:t>
+            </a:r>
+          </a:p>
+          <a:p>
+            <a:r>
+              <a:rPr lang="en-US" dirty="0">
+                <a:latin typeface="Times New Roman" panose="02020603050405020304" pitchFamily="18" charset="0"/>
+                <a:cs typeface="Times New Roman" panose="02020603050405020304" pitchFamily="18" charset="0"/>
+              </a:rPr>
+              <a:t>95% CI for the conversion rate in the control is (0.037, 0.042) and in the treatment is (0.044, 0.049)</a:t>
+            </a:r>
+          </a:p>
+          <a:p>
+            <a:r>
+              <a:rPr lang="en-US" dirty="0">
+                <a:latin typeface="Times New Roman" panose="02020603050405020304" pitchFamily="18" charset="0"/>
+                <a:cs typeface="Times New Roman" panose="02020603050405020304" pitchFamily="18" charset="0"/>
+              </a:rPr>
+              <a:t>95% CI for the difference in the conversion rate is (0.003, 0.011).</a:t>
+            </a:r>
+          </a:p>
+          <a:p>
+            <a:r>
+              <a:rPr lang="en-US" dirty="0">
+                <a:latin typeface="Times New Roman" panose="02020603050405020304" pitchFamily="18" charset="0"/>
+                <a:cs typeface="Times New Roman" panose="02020603050405020304" pitchFamily="18" charset="0"/>
+              </a:rPr>
+              <a:t>Hypothesis test of difference in the conversion rate between groups suggest that there is enough evidence to suggest a statistically significant difference between groups.</a:t>
+            </a:r>
+          </a:p>
+          <a:p>
+            <a:endParaRPr lang="en-US" dirty="0">
+              <a:latin typeface="Times New Roman" panose="02020603050405020304" pitchFamily="18" charset="0"/>
+              <a:cs typeface="Times New Roman" panose="02020603050405020304" pitchFamily="18" charset="0"/>
+            </a:endParaRPr>
+          </a:p>
           <a:p>
             <a:endParaRPr lang="en-US" dirty="0">
               <a:latin typeface="Times New Roman" panose="02020603050405020304" pitchFamily="18" charset="0"/>

--- a/GloBox_A-B_Test_Presentation.pptx
+++ b/GloBox_A-B_Test_Presentation.pptx
@@ -3778,7 +3778,7 @@
                 <a:latin typeface="Times New Roman" panose="02020603050405020304" pitchFamily="18" charset="0"/>
                 <a:cs typeface="Times New Roman" panose="02020603050405020304" pitchFamily="18" charset="0"/>
               </a:rPr>
-              <a:t>Banner doesn’t affect avg. spent by user statistically.</a:t>
+              <a:t>Banner doesn’t affect avg. spent by users statistically.</a:t>
             </a:r>
           </a:p>
           <a:p>
@@ -3796,7 +3796,7 @@
                 <a:latin typeface="Times New Roman" panose="02020603050405020304" pitchFamily="18" charset="0"/>
                 <a:cs typeface="Times New Roman" panose="02020603050405020304" pitchFamily="18" charset="0"/>
               </a:rPr>
-              <a:t>It can be concluded that applying banner on our webpage has positive impact for the business.</a:t>
+              <a:t>It can be concluded that applying a banner on our webpage has a positive impact on the business.</a:t>
             </a:r>
           </a:p>
         </p:txBody>
@@ -3907,7 +3907,7 @@
                 <a:latin typeface="Times New Roman" panose="02020603050405020304" pitchFamily="18" charset="0"/>
                 <a:cs typeface="Times New Roman" panose="02020603050405020304" pitchFamily="18" charset="0"/>
               </a:rPr>
-              <a:t>Analyzing results by country, gender and age group.</a:t>
+              <a:t>Analyzing results by country, gender, device type, and age group.</a:t>
             </a:r>
           </a:p>
           <a:p>
@@ -4129,18 +4129,11 @@
           <a:lstStyle/>
           <a:p>
             <a:r>
-              <a:rPr lang="en-US" dirty="0" err="1">
-                <a:latin typeface="Times New Roman" panose="02020603050405020304" pitchFamily="18" charset="0"/>
-                <a:cs typeface="Times New Roman" panose="02020603050405020304" pitchFamily="18" charset="0"/>
-              </a:rPr>
-              <a:t>Github</a:t>
-            </a:r>
-            <a:r>
               <a:rPr lang="en-US" dirty="0">
                 <a:latin typeface="Times New Roman" panose="02020603050405020304" pitchFamily="18" charset="0"/>
                 <a:cs typeface="Times New Roman" panose="02020603050405020304" pitchFamily="18" charset="0"/>
               </a:rPr>
-              <a:t>: </a:t>
+              <a:t>Github: </a:t>
             </a:r>
           </a:p>
           <a:p>
@@ -4149,9 +4142,6 @@
             </a:pPr>
             <a:r>
               <a:rPr lang="en-US" dirty="0">
-                <a:solidFill>
-                  <a:srgbClr val="BC658E"/>
-                </a:solidFill>
                 <a:latin typeface="Times New Roman" panose="02020603050405020304" pitchFamily="18" charset="0"/>
                 <a:cs typeface="Times New Roman" panose="02020603050405020304" pitchFamily="18" charset="0"/>
                 <a:hlinkClick r:id="rId2">
@@ -4186,7 +4176,13 @@
               <a:rPr lang="en-US" dirty="0">
                 <a:latin typeface="Times New Roman" panose="02020603050405020304" pitchFamily="18" charset="0"/>
                 <a:cs typeface="Times New Roman" panose="02020603050405020304" pitchFamily="18" charset="0"/>
-                <a:hlinkClick r:id="rId3"/>
+                <a:hlinkClick r:id="rId3">
+                  <a:extLst>
+                    <a:ext uri="{A12FA001-AC4F-418D-AE19-62706E023703}">
+                      <ahyp:hlinkClr xmlns:ahyp="http://schemas.microsoft.com/office/drawing/2018/hyperlinkcolor" val="tx"/>
+                    </a:ext>
+                  </a:extLst>
+                </a:hlinkClick>
               </a:rPr>
               <a:t>https://public.tableau.com/views/GloBox_A_B_Data_Analysis/Story1?:language=en-US&amp;:display_count=n&amp;:origin=viz_share_link</a:t>
             </a:r>
@@ -4294,7 +4290,7 @@
                 <a:latin typeface="Times New Roman" panose="02020603050405020304" pitchFamily="18" charset="0"/>
                 <a:cs typeface="Times New Roman" panose="02020603050405020304" pitchFamily="18" charset="0"/>
               </a:rPr>
-              <a:t>The experiment run between 25 Jan 2023 and 6 Feb 2023.</a:t>
+              <a:t>The experiment runs between 25 Jan 2023 and 6 Feb 2023.</a:t>
             </a:r>
           </a:p>
           <a:p>
@@ -4303,7 +4299,7 @@
                 <a:latin typeface="Times New Roman" panose="02020603050405020304" pitchFamily="18" charset="0"/>
                 <a:cs typeface="Times New Roman" panose="02020603050405020304" pitchFamily="18" charset="0"/>
               </a:rPr>
-              <a:t>Visitors of main page is randomly assigned to either the control or test group.</a:t>
+              <a:t>Main page visitors are randomly assigned to either the control or test group.</a:t>
             </a:r>
           </a:p>
           <a:p>
@@ -4312,7 +4308,7 @@
                 <a:latin typeface="Times New Roman" panose="02020603050405020304" pitchFamily="18" charset="0"/>
                 <a:cs typeface="Times New Roman" panose="02020603050405020304" pitchFamily="18" charset="0"/>
               </a:rPr>
-              <a:t>Users in test group see the banner and users in the control group don’t.</a:t>
+              <a:t>Users in the test group see the banner and those in the control group don’t.</a:t>
             </a:r>
           </a:p>
           <a:p>
@@ -4321,7 +4317,7 @@
                 <a:latin typeface="Times New Roman" panose="02020603050405020304" pitchFamily="18" charset="0"/>
                 <a:cs typeface="Times New Roman" panose="02020603050405020304" pitchFamily="18" charset="0"/>
               </a:rPr>
-              <a:t>Users that make one or more purchases considered a “conversion”.</a:t>
+              <a:t>Users that make one or more purchases are considered a “conversion”.</a:t>
             </a:r>
           </a:p>
         </p:txBody>
@@ -4414,7 +4410,7 @@
                 <a:latin typeface="Times New Roman" panose="02020603050405020304" pitchFamily="18" charset="0"/>
                 <a:cs typeface="Times New Roman" panose="02020603050405020304" pitchFamily="18" charset="0"/>
               </a:rPr>
-              <a:t>No duplicate rows found.</a:t>
+              <a:t>No duplicate rows were found.</a:t>
             </a:r>
           </a:p>
           <a:p>
@@ -4441,7 +4437,7 @@
                 <a:latin typeface="Times New Roman" panose="02020603050405020304" pitchFamily="18" charset="0"/>
                 <a:cs typeface="Times New Roman" panose="02020603050405020304" pitchFamily="18" charset="0"/>
               </a:rPr>
-              <a:t>Data types corrected.</a:t>
+              <a:t>Outliers in the amount spent are included.</a:t>
             </a:r>
           </a:p>
           <a:p>
@@ -4450,7 +4446,7 @@
                 <a:latin typeface="Times New Roman" panose="02020603050405020304" pitchFamily="18" charset="0"/>
                 <a:cs typeface="Times New Roman" panose="02020603050405020304" pitchFamily="18" charset="0"/>
               </a:rPr>
-              <a:t>Number and date formats standardized.</a:t>
+              <a:t>Data types were corrected, and formats were standardized.</a:t>
             </a:r>
           </a:p>
         </p:txBody>
@@ -4677,7 +4673,7 @@
                 <a:latin typeface="Times New Roman" panose="02020603050405020304" pitchFamily="18" charset="0"/>
                 <a:cs typeface="Times New Roman" panose="02020603050405020304" pitchFamily="18" charset="0"/>
               </a:rPr>
-              <a:t>Avg. spent per user is 3.375 USD for control group and 3.391 USD for treatment group.</a:t>
+              <a:t>Avg. spent per user is 3.375 USD for the control group and 3.391 USD for the treatment group.</a:t>
             </a:r>
           </a:p>
           <a:p>
@@ -4704,7 +4700,7 @@
                 <a:latin typeface="Times New Roman" panose="02020603050405020304" pitchFamily="18" charset="0"/>
                 <a:cs typeface="Times New Roman" panose="02020603050405020304" pitchFamily="18" charset="0"/>
               </a:rPr>
-              <a:t>Hypothesis test of difference in the avg. spent between groups suggest that there is not enough evidence to suggest a statistically significant difference between groups.</a:t>
+              <a:t>Hypothesis test of difference in the avg. spent between groups suggests that there is not enough evidence to suggest a statistically significant difference between groups.</a:t>
             </a:r>
           </a:p>
           <a:p>
@@ -4951,7 +4947,7 @@
                 <a:latin typeface="Times New Roman" panose="02020603050405020304" pitchFamily="18" charset="0"/>
                 <a:cs typeface="Times New Roman" panose="02020603050405020304" pitchFamily="18" charset="0"/>
               </a:rPr>
-              <a:t>Conversion rate is %3.92 for control group and %4.63 for treatment group.</a:t>
+              <a:t>The conversion rate is %3.92 for the control group and %4.63 for the treatment group.</a:t>
             </a:r>
           </a:p>
           <a:p>
@@ -4978,7 +4974,7 @@
                 <a:latin typeface="Times New Roman" panose="02020603050405020304" pitchFamily="18" charset="0"/>
                 <a:cs typeface="Times New Roman" panose="02020603050405020304" pitchFamily="18" charset="0"/>
               </a:rPr>
-              <a:t>Hypothesis test of difference in the conversion rate between groups suggest that there is enough evidence to suggest a statistically significant difference between groups.</a:t>
+              <a:t>Hypothesis tests of difference in the conversion rate between groups suggest that there is enough evidence to suggest a statistically significant difference between groups.</a:t>
             </a:r>
           </a:p>
           <a:p>
